--- a/Project 2 Presentation.pptx
+++ b/Project 2 Presentation.pptx
@@ -9,13 +9,11 @@
     <p:sldId id="257" r:id="rId3"/>
     <p:sldId id="258" r:id="rId4"/>
     <p:sldId id="263" r:id="rId5"/>
-    <p:sldId id="264" r:id="rId6"/>
-    <p:sldId id="265" r:id="rId7"/>
-    <p:sldId id="259" r:id="rId8"/>
-    <p:sldId id="266" r:id="rId9"/>
-    <p:sldId id="260" r:id="rId10"/>
-    <p:sldId id="261" r:id="rId11"/>
-    <p:sldId id="262" r:id="rId12"/>
+    <p:sldId id="259" r:id="rId6"/>
+    <p:sldId id="266" r:id="rId7"/>
+    <p:sldId id="260" r:id="rId8"/>
+    <p:sldId id="261" r:id="rId9"/>
+    <p:sldId id="262" r:id="rId10"/>
   </p:sldIdLst>
   <p:sldSz cx="12192000" cy="6858000"/>
   <p:notesSz cx="6858000" cy="9144000"/>
@@ -114,6 +112,11 @@
       </a:defRPr>
     </a:lvl9pPr>
   </p:defaultTextStyle>
+  <p:extLst>
+    <p:ext uri="{EFAFB233-063F-42B5-8137-9DF3F51BA10A}">
+      <p15:sldGuideLst xmlns:p15="http://schemas.microsoft.com/office/powerpoint/2012/main"/>
+    </p:ext>
+  </p:extLst>
 </p:presentation>
 </file>
 
@@ -3417,268 +3420,6 @@
 </p:sld>
 </file>
 
-<file path=ppt/slides/slide10.xml><?xml version="1.0" encoding="utf-8"?>
-<p:sld xmlns:a="http://schemas.openxmlformats.org/drawingml/2006/main" xmlns:r="http://schemas.openxmlformats.org/officeDocument/2006/relationships" xmlns:p="http://schemas.openxmlformats.org/presentationml/2006/main">
-  <p:cSld>
-    <p:spTree>
-      <p:nvGrpSpPr>
-        <p:cNvPr id="1" name=""/>
-        <p:cNvGrpSpPr/>
-        <p:nvPr/>
-      </p:nvGrpSpPr>
-      <p:grpSpPr>
-        <a:xfrm>
-          <a:off x="0" y="0"/>
-          <a:ext cx="0" cy="0"/>
-          <a:chOff x="0" y="0"/>
-          <a:chExt cx="0" cy="0"/>
-        </a:xfrm>
-      </p:grpSpPr>
-      <p:sp>
-        <p:nvSpPr>
-          <p:cNvPr id="2" name="Title 1">
-            <a:extLst>
-              <a:ext uri="{FF2B5EF4-FFF2-40B4-BE49-F238E27FC236}">
-                <a16:creationId xmlns:a16="http://schemas.microsoft.com/office/drawing/2014/main" id="{2FED87AD-5573-3402-888F-109EED9757FB}"/>
-              </a:ext>
-            </a:extLst>
-          </p:cNvPr>
-          <p:cNvSpPr>
-            <a:spLocks noGrp="1"/>
-          </p:cNvSpPr>
-          <p:nvPr>
-            <p:ph type="title"/>
-          </p:nvPr>
-        </p:nvSpPr>
-        <p:spPr/>
-        <p:txBody>
-          <a:bodyPr/>
-          <a:lstStyle/>
-          <a:p>
-            <a:r>
-              <a:rPr lang="en-US" dirty="0"/>
-              <a:t>Results / Conclusions</a:t>
-            </a:r>
-          </a:p>
-        </p:txBody>
-      </p:sp>
-      <p:sp>
-        <p:nvSpPr>
-          <p:cNvPr id="3" name="Content Placeholder 2">
-            <a:extLst>
-              <a:ext uri="{FF2B5EF4-FFF2-40B4-BE49-F238E27FC236}">
-                <a16:creationId xmlns:a16="http://schemas.microsoft.com/office/drawing/2014/main" id="{F59F845B-A315-AD35-1BEB-58A9E46A83D4}"/>
-              </a:ext>
-            </a:extLst>
-          </p:cNvPr>
-          <p:cNvSpPr>
-            <a:spLocks noGrp="1"/>
-          </p:cNvSpPr>
-          <p:nvPr>
-            <p:ph idx="1"/>
-          </p:nvPr>
-        </p:nvSpPr>
-        <p:spPr/>
-        <p:txBody>
-          <a:bodyPr/>
-          <a:lstStyle/>
-          <a:p>
-            <a:pPr algn="l">
-              <a:buFont typeface="Arial" panose="020B0604020202020204" pitchFamily="34" charset="0"/>
-              <a:buChar char="•"/>
-            </a:pPr>
-            <a:r>
-              <a:rPr lang="en-US" b="0" i="0" dirty="0">
-                <a:solidFill>
-                  <a:srgbClr val="2B2B2B"/>
-                </a:solidFill>
-                <a:effectLst/>
-                <a:latin typeface="Roboto" panose="02000000000000000000" pitchFamily="2" charset="0"/>
-              </a:rPr>
-              <a:t>The results and conclusions from the machine learning model or application. (5 points)</a:t>
-            </a:r>
-          </a:p>
-          <a:p>
-            <a:pPr marL="742950" lvl="1" indent="-285750" algn="l">
-              <a:buFont typeface="Arial" panose="020B0604020202020204" pitchFamily="34" charset="0"/>
-              <a:buChar char="•"/>
-            </a:pPr>
-            <a:r>
-              <a:rPr lang="en-US" b="0" i="0" dirty="0">
-                <a:solidFill>
-                  <a:srgbClr val="2B2B2B"/>
-                </a:solidFill>
-                <a:effectLst/>
-                <a:latin typeface="Roboto" panose="02000000000000000000" pitchFamily="2" charset="0"/>
-              </a:rPr>
-              <a:t>Include relevant images or examples to support your work.</a:t>
-            </a:r>
-          </a:p>
-          <a:p>
-            <a:pPr marL="742950" lvl="1" indent="-285750" algn="l">
-              <a:buFont typeface="Arial" panose="020B0604020202020204" pitchFamily="34" charset="0"/>
-              <a:buChar char="•"/>
-            </a:pPr>
-            <a:r>
-              <a:rPr lang="en-US" b="0" i="0" dirty="0">
-                <a:solidFill>
-                  <a:srgbClr val="2B2B2B"/>
-                </a:solidFill>
-                <a:effectLst/>
-                <a:latin typeface="Roboto" panose="02000000000000000000" pitchFamily="2" charset="0"/>
-              </a:rPr>
-              <a:t>If the project goal wasn’t achieved, share the issues and what the group tried for resolving them.</a:t>
-            </a:r>
-          </a:p>
-          <a:p>
-            <a:endParaRPr lang="en-US" dirty="0"/>
-          </a:p>
-        </p:txBody>
-      </p:sp>
-    </p:spTree>
-    <p:extLst>
-      <p:ext uri="{BB962C8B-B14F-4D97-AF65-F5344CB8AC3E}">
-        <p14:creationId xmlns:p14="http://schemas.microsoft.com/office/powerpoint/2010/main" val="1005486251"/>
-      </p:ext>
-    </p:extLst>
-  </p:cSld>
-  <p:clrMapOvr>
-    <a:masterClrMapping/>
-  </p:clrMapOvr>
-</p:sld>
-</file>
-
-<file path=ppt/slides/slide11.xml><?xml version="1.0" encoding="utf-8"?>
-<p:sld xmlns:a="http://schemas.openxmlformats.org/drawingml/2006/main" xmlns:r="http://schemas.openxmlformats.org/officeDocument/2006/relationships" xmlns:p="http://schemas.openxmlformats.org/presentationml/2006/main">
-  <p:cSld>
-    <p:spTree>
-      <p:nvGrpSpPr>
-        <p:cNvPr id="1" name=""/>
-        <p:cNvGrpSpPr/>
-        <p:nvPr/>
-      </p:nvGrpSpPr>
-      <p:grpSpPr>
-        <a:xfrm>
-          <a:off x="0" y="0"/>
-          <a:ext cx="0" cy="0"/>
-          <a:chOff x="0" y="0"/>
-          <a:chExt cx="0" cy="0"/>
-        </a:xfrm>
-      </p:grpSpPr>
-      <p:sp>
-        <p:nvSpPr>
-          <p:cNvPr id="2" name="Title 1">
-            <a:extLst>
-              <a:ext uri="{FF2B5EF4-FFF2-40B4-BE49-F238E27FC236}">
-                <a16:creationId xmlns:a16="http://schemas.microsoft.com/office/drawing/2014/main" id="{CD734E6B-B60F-38B8-CCD9-53E7E700D2A2}"/>
-              </a:ext>
-            </a:extLst>
-          </p:cNvPr>
-          <p:cNvSpPr>
-            <a:spLocks noGrp="1"/>
-          </p:cNvSpPr>
-          <p:nvPr>
-            <p:ph type="title"/>
-          </p:nvPr>
-        </p:nvSpPr>
-        <p:spPr/>
-        <p:txBody>
-          <a:bodyPr/>
-          <a:lstStyle/>
-          <a:p>
-            <a:r>
-              <a:rPr lang="en-US" dirty="0"/>
-              <a:t>Next Steps</a:t>
-            </a:r>
-          </a:p>
-        </p:txBody>
-      </p:sp>
-      <p:sp>
-        <p:nvSpPr>
-          <p:cNvPr id="3" name="Content Placeholder 2">
-            <a:extLst>
-              <a:ext uri="{FF2B5EF4-FFF2-40B4-BE49-F238E27FC236}">
-                <a16:creationId xmlns:a16="http://schemas.microsoft.com/office/drawing/2014/main" id="{10729300-AE35-C52B-917C-B13C968FF2CB}"/>
-              </a:ext>
-            </a:extLst>
-          </p:cNvPr>
-          <p:cNvSpPr>
-            <a:spLocks noGrp="1"/>
-          </p:cNvSpPr>
-          <p:nvPr>
-            <p:ph idx="1"/>
-          </p:nvPr>
-        </p:nvSpPr>
-        <p:spPr/>
-        <p:txBody>
-          <a:bodyPr/>
-          <a:lstStyle/>
-          <a:p>
-            <a:pPr algn="l">
-              <a:buFont typeface="Arial" panose="020B0604020202020204" pitchFamily="34" charset="0"/>
-              <a:buChar char="•"/>
-            </a:pPr>
-            <a:r>
-              <a:rPr lang="en-US" b="0" i="0" dirty="0">
-                <a:solidFill>
-                  <a:srgbClr val="2B2B2B"/>
-                </a:solidFill>
-                <a:effectLst/>
-                <a:latin typeface="Roboto" panose="02000000000000000000" pitchFamily="2" charset="0"/>
-              </a:rPr>
-              <a:t>Next steps. (2 points)</a:t>
-            </a:r>
-          </a:p>
-          <a:p>
-            <a:pPr marL="742950" lvl="1" indent="-285750" algn="l">
-              <a:buFont typeface="Arial" panose="020B0604020202020204" pitchFamily="34" charset="0"/>
-              <a:buChar char="•"/>
-            </a:pPr>
-            <a:r>
-              <a:rPr lang="en-US" b="0" i="0" dirty="0">
-                <a:solidFill>
-                  <a:srgbClr val="2B2B2B"/>
-                </a:solidFill>
-                <a:effectLst/>
-                <a:latin typeface="Roboto" panose="02000000000000000000" pitchFamily="2" charset="0"/>
-              </a:rPr>
-              <a:t>Discuss the potential next steps for the project.</a:t>
-            </a:r>
-          </a:p>
-          <a:p>
-            <a:pPr marL="742950" lvl="1" indent="-285750" algn="l">
-              <a:buFont typeface="Arial" panose="020B0604020202020204" pitchFamily="34" charset="0"/>
-              <a:buChar char="•"/>
-            </a:pPr>
-            <a:r>
-              <a:rPr lang="en-US" b="0" i="0" dirty="0">
-                <a:solidFill>
-                  <a:srgbClr val="2B2B2B"/>
-                </a:solidFill>
-                <a:effectLst/>
-                <a:latin typeface="Roboto" panose="02000000000000000000" pitchFamily="2" charset="0"/>
-              </a:rPr>
-              <a:t>Discuss any additional questions that you’d explore if you had more time. Specifically, if you had additional weeks to work on your project, what would you research next?</a:t>
-            </a:r>
-          </a:p>
-          <a:p>
-            <a:endParaRPr lang="en-US" dirty="0"/>
-          </a:p>
-        </p:txBody>
-      </p:sp>
-    </p:spTree>
-    <p:extLst>
-      <p:ext uri="{BB962C8B-B14F-4D97-AF65-F5344CB8AC3E}">
-        <p14:creationId xmlns:p14="http://schemas.microsoft.com/office/powerpoint/2010/main" val="3201979120"/>
-      </p:ext>
-    </p:extLst>
-  </p:cSld>
-  <p:clrMapOvr>
-    <a:masterClrMapping/>
-  </p:clrMapOvr>
-</p:sld>
-</file>
-
 <file path=ppt/slides/slide2.xml><?xml version="1.0" encoding="utf-8"?>
 <p:sld xmlns:a="http://schemas.openxmlformats.org/drawingml/2006/main" xmlns:r="http://schemas.openxmlformats.org/officeDocument/2006/relationships" xmlns:p="http://schemas.openxmlformats.org/presentationml/2006/main">
   <p:cSld>
@@ -3719,7 +3460,7 @@
           <a:p>
             <a:r>
               <a:rPr lang="en-US" dirty="0"/>
-              <a:t>Executive Summary</a:t>
+              <a:t>Executive Summary (project and project goals)</a:t>
             </a:r>
           </a:p>
         </p:txBody>
@@ -3742,12 +3483,32 @@
         </p:nvSpPr>
         <p:spPr/>
         <p:txBody>
-          <a:bodyPr/>
-          <a:lstStyle/>
-          <a:p>
-            <a:pPr algn="l">
-              <a:buFont typeface="Arial" panose="020B0604020202020204" pitchFamily="34" charset="0"/>
-              <a:buChar char="•"/>
+          <a:bodyPr>
+            <a:normAutofit lnSpcReduction="10000"/>
+          </a:bodyPr>
+          <a:lstStyle/>
+          <a:p>
+            <a:r>
+              <a:rPr lang="en-US" dirty="0">
+                <a:solidFill>
+                  <a:srgbClr val="2B2B2B"/>
+                </a:solidFill>
+                <a:latin typeface="Roboto" panose="02000000000000000000" pitchFamily="2" charset="0"/>
+              </a:rPr>
+              <a:t>Create accurate and reliable models to predict if somebody has breast cancer and which type of breast cancer they have</a:t>
+            </a:r>
+          </a:p>
+          <a:p>
+            <a:endParaRPr lang="en-US" dirty="0">
+              <a:solidFill>
+                <a:srgbClr val="2B2B2B"/>
+              </a:solidFill>
+              <a:latin typeface="Roboto" panose="02000000000000000000" pitchFamily="2" charset="0"/>
+            </a:endParaRPr>
+          </a:p>
+          <a:p>
+            <a:pPr marL="0" indent="0" algn="l">
+              <a:buNone/>
             </a:pPr>
             <a:r>
               <a:rPr lang="en-US" b="0" i="0" dirty="0">
@@ -3757,14 +3518,22 @@
                 <a:effectLst/>
                 <a:latin typeface="Roboto" panose="02000000000000000000" pitchFamily="2" charset="0"/>
               </a:rPr>
-              <a:t>An executive summary of the project and project goals. (5 points)</a:t>
-            </a:r>
-          </a:p>
-          <a:p>
-            <a:pPr marL="742950" lvl="1" indent="-285750" algn="l">
-              <a:buFont typeface="Arial" panose="020B0604020202020204" pitchFamily="34" charset="0"/>
-              <a:buChar char="•"/>
+              <a:t>(Explain how this project relates to fintech and machine learning.)</a:t>
+            </a:r>
+          </a:p>
+          <a:p>
+            <a:pPr marL="0" indent="0" algn="l">
+              <a:buNone/>
             </a:pPr>
+            <a:endParaRPr lang="en-US" b="0" i="0" dirty="0">
+              <a:solidFill>
+                <a:srgbClr val="2B2B2B"/>
+              </a:solidFill>
+              <a:effectLst/>
+              <a:latin typeface="Roboto" panose="02000000000000000000" pitchFamily="2" charset="0"/>
+            </a:endParaRPr>
+          </a:p>
+          <a:p>
             <a:r>
               <a:rPr lang="en-US" b="0" i="0" dirty="0">
                 <a:solidFill>
@@ -3773,8 +3542,118 @@
                 <a:effectLst/>
                 <a:latin typeface="Roboto" panose="02000000000000000000" pitchFamily="2" charset="0"/>
               </a:rPr>
-              <a:t>Explain how this project relates to fintech and machine learning.</a:t>
-            </a:r>
+              <a:t>Data Sets:</a:t>
+            </a:r>
+          </a:p>
+          <a:p>
+            <a:pPr lvl="1"/>
+            <a:r>
+              <a:rPr lang="en-US" b="0" i="0" dirty="0">
+                <a:solidFill>
+                  <a:srgbClr val="2B2B2B"/>
+                </a:solidFill>
+                <a:effectLst/>
+                <a:latin typeface="Roboto" panose="02000000000000000000" pitchFamily="2" charset="0"/>
+              </a:rPr>
+              <a:t>Breast Cancer Wisconsin - UC Irvin:</a:t>
+            </a:r>
+          </a:p>
+          <a:p>
+            <a:pPr lvl="2"/>
+            <a:r>
+              <a:rPr lang="en-US" b="0" i="0" dirty="0">
+                <a:solidFill>
+                  <a:srgbClr val="2B2B2B"/>
+                </a:solidFill>
+                <a:effectLst/>
+                <a:latin typeface="Roboto" panose="02000000000000000000" pitchFamily="2" charset="0"/>
+              </a:rPr>
+              <a:t> (</a:t>
+            </a:r>
+            <a:r>
+              <a:rPr lang="en-US" b="0" i="0" dirty="0">
+                <a:solidFill>
+                  <a:srgbClr val="2B2B2B"/>
+                </a:solidFill>
+                <a:effectLst/>
+                <a:latin typeface="Roboto" panose="02000000000000000000" pitchFamily="2" charset="0"/>
+                <a:hlinkClick r:id="rId2"/>
+              </a:rPr>
+              <a:t>https://archive.ics.uci.edu/dataset/17/breast+cancer+wisconsin+diagnostic</a:t>
+            </a:r>
+            <a:r>
+              <a:rPr lang="en-US" b="0" i="0" dirty="0">
+                <a:solidFill>
+                  <a:srgbClr val="2B2B2B"/>
+                </a:solidFill>
+                <a:effectLst/>
+                <a:latin typeface="Roboto" panose="02000000000000000000" pitchFamily="2" charset="0"/>
+              </a:rPr>
+              <a:t>)</a:t>
+            </a:r>
+          </a:p>
+          <a:p>
+            <a:pPr lvl="1"/>
+            <a:r>
+              <a:rPr lang="en-US" b="0" i="0" dirty="0">
+                <a:solidFill>
+                  <a:srgbClr val="2B2B2B"/>
+                </a:solidFill>
+                <a:effectLst/>
+                <a:latin typeface="Roboto" panose="02000000000000000000" pitchFamily="2" charset="0"/>
+              </a:rPr>
+              <a:t>BRCA – Kaggle</a:t>
+            </a:r>
+            <a:endParaRPr lang="en-US" dirty="0">
+              <a:solidFill>
+                <a:srgbClr val="2B2B2B"/>
+              </a:solidFill>
+              <a:latin typeface="Roboto" panose="02000000000000000000" pitchFamily="2" charset="0"/>
+            </a:endParaRPr>
+          </a:p>
+          <a:p>
+            <a:pPr lvl="2"/>
+            <a:r>
+              <a:rPr lang="en-US" b="0" i="0" dirty="0">
+                <a:solidFill>
+                  <a:srgbClr val="2B2B2B"/>
+                </a:solidFill>
+                <a:effectLst/>
+                <a:latin typeface="Roboto" panose="02000000000000000000" pitchFamily="2" charset="0"/>
+              </a:rPr>
+              <a:t>(</a:t>
+            </a:r>
+            <a:r>
+              <a:rPr lang="en-US" b="0" i="0" dirty="0">
+                <a:solidFill>
+                  <a:srgbClr val="2B2B2B"/>
+                </a:solidFill>
+                <a:effectLst/>
+                <a:latin typeface="Roboto" panose="02000000000000000000" pitchFamily="2" charset="0"/>
+                <a:hlinkClick r:id="rId3"/>
+              </a:rPr>
+              <a:t>https://www.kaggle.com/datasets/amandam1/breastcancerdataset</a:t>
+            </a:r>
+            <a:r>
+              <a:rPr lang="en-US" b="0" i="0" dirty="0">
+                <a:solidFill>
+                  <a:srgbClr val="2B2B2B"/>
+                </a:solidFill>
+                <a:effectLst/>
+                <a:latin typeface="Roboto" panose="02000000000000000000" pitchFamily="2" charset="0"/>
+              </a:rPr>
+              <a:t>)</a:t>
+            </a:r>
+          </a:p>
+          <a:p>
+            <a:pPr lvl="2"/>
+            <a:endParaRPr lang="en-US" b="0" i="0" dirty="0">
+              <a:solidFill>
+                <a:srgbClr val="2B2B2B"/>
+              </a:solidFill>
+              <a:effectLst/>
+              <a:latin typeface="Roboto" panose="02000000000000000000" pitchFamily="2" charset="0"/>
+            </a:endParaRPr>
           </a:p>
           <a:p>
             <a:endParaRPr lang="en-US" dirty="0"/>
@@ -3892,7 +3771,40 @@
             </a:r>
           </a:p>
           <a:p>
-            <a:endParaRPr lang="en-US" dirty="0"/>
+            <a:r>
+              <a:rPr lang="en-US" dirty="0"/>
+              <a:t>Breast Cancer Wisconsin - UC Irvine</a:t>
+            </a:r>
+          </a:p>
+          <a:p>
+            <a:pPr marL="914400" lvl="1" indent="-457200">
+              <a:buFont typeface="+mj-lt"/>
+              <a:buAutoNum type="arabicPeriod"/>
+            </a:pPr>
+            <a:r>
+              <a:rPr lang="en-US" dirty="0"/>
+              <a:t>Neural Network</a:t>
+            </a:r>
+          </a:p>
+          <a:p>
+            <a:pPr marL="914400" lvl="1" indent="-457200">
+              <a:buFont typeface="+mj-lt"/>
+              <a:buAutoNum type="arabicPeriod"/>
+            </a:pPr>
+            <a:r>
+              <a:rPr lang="en-US" dirty="0"/>
+              <a:t>(model 2)</a:t>
+            </a:r>
+          </a:p>
+          <a:p>
+            <a:pPr marL="914400" lvl="1" indent="-457200">
+              <a:buFont typeface="+mj-lt"/>
+              <a:buAutoNum type="arabicPeriod"/>
+            </a:pPr>
+            <a:r>
+              <a:rPr lang="en-US" dirty="0"/>
+              <a:t>(Model 3)</a:t>
+            </a:r>
           </a:p>
         </p:txBody>
       </p:sp>
@@ -3947,32 +3859,83 @@
           <a:bodyPr/>
           <a:lstStyle/>
           <a:p>
+            <a:r>
+              <a:rPr lang="en-US" dirty="0"/>
+              <a:t>Selected Model</a:t>
+            </a:r>
+          </a:p>
+        </p:txBody>
+      </p:sp>
+      <p:sp>
+        <p:nvSpPr>
+          <p:cNvPr id="3" name="Content Placeholder 2">
+            <a:extLst>
+              <a:ext uri="{FF2B5EF4-FFF2-40B4-BE49-F238E27FC236}">
+                <a16:creationId xmlns:a16="http://schemas.microsoft.com/office/drawing/2014/main" id="{132F2041-B198-9E0A-85F5-FF25DFB83A16}"/>
+              </a:ext>
+            </a:extLst>
+          </p:cNvPr>
+          <p:cNvSpPr>
+            <a:spLocks noGrp="1"/>
+          </p:cNvSpPr>
+          <p:nvPr>
+            <p:ph idx="1"/>
+          </p:nvPr>
+        </p:nvSpPr>
+        <p:spPr/>
+        <p:txBody>
+          <a:bodyPr/>
+          <a:lstStyle/>
+          <a:p>
+            <a:r>
+              <a:rPr lang="en-US" b="0" i="0" dirty="0">
+                <a:solidFill>
+                  <a:srgbClr val="2B2B2B"/>
+                </a:solidFill>
+                <a:effectLst/>
+                <a:latin typeface="Roboto" panose="02000000000000000000" pitchFamily="2" charset="0"/>
+              </a:rPr>
+              <a:t>BRCA – Kaggle</a:t>
+            </a:r>
+            <a:endParaRPr lang="en-US" dirty="0">
+              <a:solidFill>
+                <a:srgbClr val="2B2B2B"/>
+              </a:solidFill>
+              <a:latin typeface="Roboto" panose="02000000000000000000" pitchFamily="2" charset="0"/>
+            </a:endParaRPr>
+          </a:p>
+          <a:p>
+            <a:pPr marL="914400" lvl="1" indent="-457200">
+              <a:buFont typeface="+mj-lt"/>
+              <a:buAutoNum type="arabicPeriod"/>
+            </a:pPr>
+            <a:r>
+              <a:rPr lang="en-US" dirty="0"/>
+              <a:t>Neural Network</a:t>
+            </a:r>
+          </a:p>
+          <a:p>
+            <a:pPr marL="914400" lvl="1" indent="-457200">
+              <a:buFont typeface="+mj-lt"/>
+              <a:buAutoNum type="arabicPeriod"/>
+            </a:pPr>
+            <a:r>
+              <a:rPr lang="en-US" dirty="0"/>
+              <a:t>(model 2)</a:t>
+            </a:r>
+          </a:p>
+          <a:p>
+            <a:pPr marL="914400" lvl="1" indent="-457200">
+              <a:buFont typeface="+mj-lt"/>
+              <a:buAutoNum type="arabicPeriod"/>
+            </a:pPr>
+            <a:r>
+              <a:rPr lang="en-US" dirty="0"/>
+              <a:t>(Model 3)</a:t>
+            </a:r>
+          </a:p>
+          <a:p>
             <a:endParaRPr lang="en-US" dirty="0"/>
-          </a:p>
-        </p:txBody>
-      </p:sp>
-      <p:sp>
-        <p:nvSpPr>
-          <p:cNvPr id="3" name="Content Placeholder 2">
-            <a:extLst>
-              <a:ext uri="{FF2B5EF4-FFF2-40B4-BE49-F238E27FC236}">
-                <a16:creationId xmlns:a16="http://schemas.microsoft.com/office/drawing/2014/main" id="{132F2041-B198-9E0A-85F5-FF25DFB83A16}"/>
-              </a:ext>
-            </a:extLst>
-          </p:cNvPr>
-          <p:cNvSpPr>
-            <a:spLocks noGrp="1"/>
-          </p:cNvSpPr>
-          <p:nvPr>
-            <p:ph idx="1"/>
-          </p:nvPr>
-        </p:nvSpPr>
-        <p:spPr/>
-        <p:txBody>
-          <a:bodyPr/>
-          <a:lstStyle/>
-          <a:p>
-            <a:endParaRPr lang="en-US"/>
           </a:p>
         </p:txBody>
       </p:sp>
@@ -4011,7 +3974,7 @@
           <p:cNvPr id="2" name="Title 1">
             <a:extLst>
               <a:ext uri="{FF2B5EF4-FFF2-40B4-BE49-F238E27FC236}">
-                <a16:creationId xmlns:a16="http://schemas.microsoft.com/office/drawing/2014/main" id="{58D8D784-21CE-32AA-D7CF-37661F7B11B6}"/>
+                <a16:creationId xmlns:a16="http://schemas.microsoft.com/office/drawing/2014/main" id="{F7101C05-4D6E-51E4-6862-05C47E718EA2}"/>
               </a:ext>
             </a:extLst>
           </p:cNvPr>
@@ -4027,7 +3990,10 @@
           <a:bodyPr/>
           <a:lstStyle/>
           <a:p>
-            <a:endParaRPr lang="en-US"/>
+            <a:r>
+              <a:rPr lang="en-US" dirty="0"/>
+              <a:t>Data Preparation Process</a:t>
+            </a:r>
           </a:p>
         </p:txBody>
       </p:sp>
@@ -4036,7 +4002,7 @@
           <p:cNvPr id="3" name="Content Placeholder 2">
             <a:extLst>
               <a:ext uri="{FF2B5EF4-FFF2-40B4-BE49-F238E27FC236}">
-                <a16:creationId xmlns:a16="http://schemas.microsoft.com/office/drawing/2014/main" id="{3C3BC0BF-101B-D9DB-34D5-4C0BAB7501AE}"/>
+                <a16:creationId xmlns:a16="http://schemas.microsoft.com/office/drawing/2014/main" id="{08BBA27E-A713-BCE4-14EE-AC6F667FA81E}"/>
               </a:ext>
             </a:extLst>
           </p:cNvPr>
@@ -4052,14 +4018,78 @@
           <a:bodyPr/>
           <a:lstStyle/>
           <a:p>
-            <a:endParaRPr lang="en-US"/>
+            <a:pPr algn="l">
+              <a:buFont typeface="Arial" panose="020B0604020202020204" pitchFamily="34" charset="0"/>
+              <a:buChar char="•"/>
+            </a:pPr>
+            <a:r>
+              <a:rPr lang="en-US" b="0" i="0" dirty="0">
+                <a:solidFill>
+                  <a:srgbClr val="2B2B2B"/>
+                </a:solidFill>
+                <a:effectLst/>
+                <a:latin typeface="Roboto" panose="02000000000000000000" pitchFamily="2" charset="0"/>
+              </a:rPr>
+              <a:t>The data preparation and model training process. (3 points)</a:t>
+            </a:r>
+          </a:p>
+          <a:p>
+            <a:pPr marL="742950" lvl="1" indent="-285750" algn="l">
+              <a:buFont typeface="Arial" panose="020B0604020202020204" pitchFamily="34" charset="0"/>
+              <a:buChar char="•"/>
+            </a:pPr>
+            <a:r>
+              <a:rPr lang="en-US" b="0" i="0" dirty="0">
+                <a:solidFill>
+                  <a:srgbClr val="2B2B2B"/>
+                </a:solidFill>
+                <a:effectLst/>
+                <a:latin typeface="Roboto" panose="02000000000000000000" pitchFamily="2" charset="0"/>
+              </a:rPr>
+              <a:t>Describe the source of your data and why you chose it for your project.</a:t>
+            </a:r>
+          </a:p>
+          <a:p>
+            <a:pPr marL="742950" lvl="1" indent="-285750" algn="l">
+              <a:buFont typeface="Arial" panose="020B0604020202020204" pitchFamily="34" charset="0"/>
+              <a:buChar char="•"/>
+            </a:pPr>
+            <a:r>
+              <a:rPr lang="en-US" b="0" i="0" dirty="0">
+                <a:solidFill>
+                  <a:srgbClr val="2B2B2B"/>
+                </a:solidFill>
+                <a:effectLst/>
+                <a:latin typeface="Roboto" panose="02000000000000000000" pitchFamily="2" charset="0"/>
+              </a:rPr>
+              <a:t>Describe the collection, cleanup, and preparation process.</a:t>
+            </a:r>
+          </a:p>
+          <a:p>
+            <a:pPr marL="742950" lvl="1" indent="-285750" algn="l">
+              <a:buFont typeface="Arial" panose="020B0604020202020204" pitchFamily="34" charset="0"/>
+              <a:buChar char="•"/>
+            </a:pPr>
+            <a:r>
+              <a:rPr lang="en-US" b="0" i="0" dirty="0">
+                <a:solidFill>
+                  <a:srgbClr val="2B2B2B"/>
+                </a:solidFill>
+                <a:effectLst/>
+                <a:latin typeface="Roboto" panose="02000000000000000000" pitchFamily="2" charset="0"/>
+              </a:rPr>
+              <a:t>Describe the training process.</a:t>
+            </a:r>
+          </a:p>
+          <a:p>
+            <a:endParaRPr lang="en-US" dirty="0"/>
           </a:p>
         </p:txBody>
       </p:sp>
     </p:spTree>
     <p:extLst>
       <p:ext uri="{BB962C8B-B14F-4D97-AF65-F5344CB8AC3E}">
-        <p14:creationId xmlns:p14="http://schemas.microsoft.com/office/powerpoint/2010/main" val="3147940660"/>
+        <p14:creationId xmlns:p14="http://schemas.microsoft.com/office/powerpoint/2010/main" val="3913218859"/>
       </p:ext>
     </p:extLst>
   </p:cSld>
@@ -4091,7 +4121,7 @@
           <p:cNvPr id="2" name="Title 1">
             <a:extLst>
               <a:ext uri="{FF2B5EF4-FFF2-40B4-BE49-F238E27FC236}">
-                <a16:creationId xmlns:a16="http://schemas.microsoft.com/office/drawing/2014/main" id="{2E3D9F92-31BB-5A51-038D-0490A2B3D134}"/>
+                <a16:creationId xmlns:a16="http://schemas.microsoft.com/office/drawing/2014/main" id="{6524F34F-7D7A-367A-0343-6940D1F7CFDD}"/>
               </a:ext>
             </a:extLst>
           </p:cNvPr>
@@ -4107,7 +4137,10 @@
           <a:bodyPr/>
           <a:lstStyle/>
           <a:p>
-            <a:endParaRPr lang="en-US"/>
+            <a:r>
+              <a:rPr lang="en-US" dirty="0"/>
+              <a:t>Model Training Process</a:t>
+            </a:r>
           </a:p>
         </p:txBody>
       </p:sp>
@@ -4116,7 +4149,7 @@
           <p:cNvPr id="3" name="Content Placeholder 2">
             <a:extLst>
               <a:ext uri="{FF2B5EF4-FFF2-40B4-BE49-F238E27FC236}">
-                <a16:creationId xmlns:a16="http://schemas.microsoft.com/office/drawing/2014/main" id="{F711B524-EEBE-BF48-7741-C362409532BE}"/>
+                <a16:creationId xmlns:a16="http://schemas.microsoft.com/office/drawing/2014/main" id="{0119B3EE-49B5-40E2-E20A-16B8D871F92E}"/>
               </a:ext>
             </a:extLst>
           </p:cNvPr>
@@ -4139,7 +4172,7 @@
     </p:spTree>
     <p:extLst>
       <p:ext uri="{BB962C8B-B14F-4D97-AF65-F5344CB8AC3E}">
-        <p14:creationId xmlns:p14="http://schemas.microsoft.com/office/powerpoint/2010/main" val="2327759035"/>
+        <p14:creationId xmlns:p14="http://schemas.microsoft.com/office/powerpoint/2010/main" val="111090353"/>
       </p:ext>
     </p:extLst>
   </p:cSld>
@@ -4171,7 +4204,7 @@
           <p:cNvPr id="2" name="Title 1">
             <a:extLst>
               <a:ext uri="{FF2B5EF4-FFF2-40B4-BE49-F238E27FC236}">
-                <a16:creationId xmlns:a16="http://schemas.microsoft.com/office/drawing/2014/main" id="{F7101C05-4D6E-51E4-6862-05C47E718EA2}"/>
+                <a16:creationId xmlns:a16="http://schemas.microsoft.com/office/drawing/2014/main" id="{B0E42973-3C3F-9529-04E1-EE03231DE8D7}"/>
               </a:ext>
             </a:extLst>
           </p:cNvPr>
@@ -4189,7 +4222,7 @@
           <a:p>
             <a:r>
               <a:rPr lang="en-US" dirty="0"/>
-              <a:t>Data Preparation Process</a:t>
+              <a:t>Group Approach to Achieve Project Goals</a:t>
             </a:r>
           </a:p>
         </p:txBody>
@@ -4199,7 +4232,7 @@
           <p:cNvPr id="3" name="Content Placeholder 2">
             <a:extLst>
               <a:ext uri="{FF2B5EF4-FFF2-40B4-BE49-F238E27FC236}">
-                <a16:creationId xmlns:a16="http://schemas.microsoft.com/office/drawing/2014/main" id="{08BBA27E-A713-BCE4-14EE-AC6F667FA81E}"/>
+                <a16:creationId xmlns:a16="http://schemas.microsoft.com/office/drawing/2014/main" id="{AFB71D6B-DD00-D085-3D60-E7E2E52BF264}"/>
               </a:ext>
             </a:extLst>
           </p:cNvPr>
@@ -4227,7 +4260,7 @@
                 <a:effectLst/>
                 <a:latin typeface="Roboto" panose="02000000000000000000" pitchFamily="2" charset="0"/>
               </a:rPr>
-              <a:t>The data preparation and model training process. (3 points)</a:t>
+              <a:t>The approach that your group took to achieve the project goals. (5 points)</a:t>
             </a:r>
           </a:p>
           <a:p>
@@ -4243,7 +4276,7 @@
                 <a:effectLst/>
                 <a:latin typeface="Roboto" panose="02000000000000000000" pitchFamily="2" charset="0"/>
               </a:rPr>
-              <a:t>Describe the source of your data and why you chose it for your project.</a:t>
+              <a:t>Include any relevant code or demonstrations of the machine learning model.</a:t>
             </a:r>
           </a:p>
           <a:p>
@@ -4259,7 +4292,7 @@
                 <a:effectLst/>
                 <a:latin typeface="Roboto" panose="02000000000000000000" pitchFamily="2" charset="0"/>
               </a:rPr>
-              <a:t>Describe the collection, cleanup, and preparation process.</a:t>
+              <a:t>Describe the techniques that you used to evaluate the performance of the model.</a:t>
             </a:r>
           </a:p>
           <a:p>
@@ -4275,7 +4308,7 @@
                 <a:effectLst/>
                 <a:latin typeface="Roboto" panose="02000000000000000000" pitchFamily="2" charset="0"/>
               </a:rPr>
-              <a:t>Describe the training process.</a:t>
+              <a:t>Discuss any unanticipated insights or problems that arose and how you resolved them.</a:t>
             </a:r>
           </a:p>
           <a:p>
@@ -4286,7 +4319,7 @@
     </p:spTree>
     <p:extLst>
       <p:ext uri="{BB962C8B-B14F-4D97-AF65-F5344CB8AC3E}">
-        <p14:creationId xmlns:p14="http://schemas.microsoft.com/office/powerpoint/2010/main" val="3913218859"/>
+        <p14:creationId xmlns:p14="http://schemas.microsoft.com/office/powerpoint/2010/main" val="877819356"/>
       </p:ext>
     </p:extLst>
   </p:cSld>
@@ -4318,7 +4351,7 @@
           <p:cNvPr id="2" name="Title 1">
             <a:extLst>
               <a:ext uri="{FF2B5EF4-FFF2-40B4-BE49-F238E27FC236}">
-                <a16:creationId xmlns:a16="http://schemas.microsoft.com/office/drawing/2014/main" id="{6524F34F-7D7A-367A-0343-6940D1F7CFDD}"/>
+                <a16:creationId xmlns:a16="http://schemas.microsoft.com/office/drawing/2014/main" id="{2FED87AD-5573-3402-888F-109EED9757FB}"/>
               </a:ext>
             </a:extLst>
           </p:cNvPr>
@@ -4336,7 +4369,7 @@
           <a:p>
             <a:r>
               <a:rPr lang="en-US" dirty="0"/>
-              <a:t>Model Training Process</a:t>
+              <a:t>Results / Conclusions</a:t>
             </a:r>
           </a:p>
         </p:txBody>
@@ -4346,7 +4379,7 @@
           <p:cNvPr id="3" name="Content Placeholder 2">
             <a:extLst>
               <a:ext uri="{FF2B5EF4-FFF2-40B4-BE49-F238E27FC236}">
-                <a16:creationId xmlns:a16="http://schemas.microsoft.com/office/drawing/2014/main" id="{0119B3EE-49B5-40E2-E20A-16B8D871F92E}"/>
+                <a16:creationId xmlns:a16="http://schemas.microsoft.com/office/drawing/2014/main" id="{F59F845B-A315-AD35-1BEB-58A9E46A83D4}"/>
               </a:ext>
             </a:extLst>
           </p:cNvPr>
@@ -4362,14 +4395,62 @@
           <a:bodyPr/>
           <a:lstStyle/>
           <a:p>
-            <a:endParaRPr lang="en-US"/>
+            <a:pPr algn="l">
+              <a:buFont typeface="Arial" panose="020B0604020202020204" pitchFamily="34" charset="0"/>
+              <a:buChar char="•"/>
+            </a:pPr>
+            <a:r>
+              <a:rPr lang="en-US" b="0" i="0" dirty="0">
+                <a:solidFill>
+                  <a:srgbClr val="2B2B2B"/>
+                </a:solidFill>
+                <a:effectLst/>
+                <a:latin typeface="Roboto" panose="02000000000000000000" pitchFamily="2" charset="0"/>
+              </a:rPr>
+              <a:t>The results and conclusions from the machine learning model or application. (5 points)</a:t>
+            </a:r>
+          </a:p>
+          <a:p>
+            <a:pPr marL="742950" lvl="1" indent="-285750" algn="l">
+              <a:buFont typeface="Arial" panose="020B0604020202020204" pitchFamily="34" charset="0"/>
+              <a:buChar char="•"/>
+            </a:pPr>
+            <a:r>
+              <a:rPr lang="en-US" b="0" i="0" dirty="0">
+                <a:solidFill>
+                  <a:srgbClr val="2B2B2B"/>
+                </a:solidFill>
+                <a:effectLst/>
+                <a:latin typeface="Roboto" panose="02000000000000000000" pitchFamily="2" charset="0"/>
+              </a:rPr>
+              <a:t>Include relevant images or examples to support your work.</a:t>
+            </a:r>
+          </a:p>
+          <a:p>
+            <a:pPr marL="742950" lvl="1" indent="-285750" algn="l">
+              <a:buFont typeface="Arial" panose="020B0604020202020204" pitchFamily="34" charset="0"/>
+              <a:buChar char="•"/>
+            </a:pPr>
+            <a:r>
+              <a:rPr lang="en-US" b="0" i="0" dirty="0">
+                <a:solidFill>
+                  <a:srgbClr val="2B2B2B"/>
+                </a:solidFill>
+                <a:effectLst/>
+                <a:latin typeface="Roboto" panose="02000000000000000000" pitchFamily="2" charset="0"/>
+              </a:rPr>
+              <a:t>If the project goal wasn’t achieved, share the issues and what the group tried for resolving them.</a:t>
+            </a:r>
+          </a:p>
+          <a:p>
+            <a:endParaRPr lang="en-US" dirty="0"/>
           </a:p>
         </p:txBody>
       </p:sp>
     </p:spTree>
     <p:extLst>
       <p:ext uri="{BB962C8B-B14F-4D97-AF65-F5344CB8AC3E}">
-        <p14:creationId xmlns:p14="http://schemas.microsoft.com/office/powerpoint/2010/main" val="111090353"/>
+        <p14:creationId xmlns:p14="http://schemas.microsoft.com/office/powerpoint/2010/main" val="1005486251"/>
       </p:ext>
     </p:extLst>
   </p:cSld>
@@ -4401,7 +4482,7 @@
           <p:cNvPr id="2" name="Title 1">
             <a:extLst>
               <a:ext uri="{FF2B5EF4-FFF2-40B4-BE49-F238E27FC236}">
-                <a16:creationId xmlns:a16="http://schemas.microsoft.com/office/drawing/2014/main" id="{B0E42973-3C3F-9529-04E1-EE03231DE8D7}"/>
+                <a16:creationId xmlns:a16="http://schemas.microsoft.com/office/drawing/2014/main" id="{CD734E6B-B60F-38B8-CCD9-53E7E700D2A2}"/>
               </a:ext>
             </a:extLst>
           </p:cNvPr>
@@ -4419,7 +4500,7 @@
           <a:p>
             <a:r>
               <a:rPr lang="en-US" dirty="0"/>
-              <a:t>Group Approach to Achieve Project Goals</a:t>
+              <a:t>Next Steps</a:t>
             </a:r>
           </a:p>
         </p:txBody>
@@ -4429,7 +4510,7 @@
           <p:cNvPr id="3" name="Content Placeholder 2">
             <a:extLst>
               <a:ext uri="{FF2B5EF4-FFF2-40B4-BE49-F238E27FC236}">
-                <a16:creationId xmlns:a16="http://schemas.microsoft.com/office/drawing/2014/main" id="{AFB71D6B-DD00-D085-3D60-E7E2E52BF264}"/>
+                <a16:creationId xmlns:a16="http://schemas.microsoft.com/office/drawing/2014/main" id="{10729300-AE35-C52B-917C-B13C968FF2CB}"/>
               </a:ext>
             </a:extLst>
           </p:cNvPr>
@@ -4457,7 +4538,7 @@
                 <a:effectLst/>
                 <a:latin typeface="Roboto" panose="02000000000000000000" pitchFamily="2" charset="0"/>
               </a:rPr>
-              <a:t>The approach that your group took to achieve the project goals. (5 points)</a:t>
+              <a:t>Next steps. (2 points)</a:t>
             </a:r>
           </a:p>
           <a:p>
@@ -4473,7 +4554,7 @@
                 <a:effectLst/>
                 <a:latin typeface="Roboto" panose="02000000000000000000" pitchFamily="2" charset="0"/>
               </a:rPr>
-              <a:t>Include any relevant code or demonstrations of the machine learning model.</a:t>
+              <a:t>Discuss the potential next steps for the project.</a:t>
             </a:r>
           </a:p>
           <a:p>
@@ -4489,23 +4570,7 @@
                 <a:effectLst/>
                 <a:latin typeface="Roboto" panose="02000000000000000000" pitchFamily="2" charset="0"/>
               </a:rPr>
-              <a:t>Describe the techniques that you used to evaluate the performance of the model.</a:t>
-            </a:r>
-          </a:p>
-          <a:p>
-            <a:pPr marL="742950" lvl="1" indent="-285750" algn="l">
-              <a:buFont typeface="Arial" panose="020B0604020202020204" pitchFamily="34" charset="0"/>
-              <a:buChar char="•"/>
-            </a:pPr>
-            <a:r>
-              <a:rPr lang="en-US" b="0" i="0" dirty="0">
-                <a:solidFill>
-                  <a:srgbClr val="2B2B2B"/>
-                </a:solidFill>
-                <a:effectLst/>
-                <a:latin typeface="Roboto" panose="02000000000000000000" pitchFamily="2" charset="0"/>
-              </a:rPr>
-              <a:t>Discuss any unanticipated insights or problems that arose and how you resolved them.</a:t>
+              <a:t>Discuss any additional questions that you’d explore if you had more time. Specifically, if you had additional weeks to work on your project, what would you research next?</a:t>
             </a:r>
           </a:p>
           <a:p>
@@ -4516,7 +4581,7 @@
     </p:spTree>
     <p:extLst>
       <p:ext uri="{BB962C8B-B14F-4D97-AF65-F5344CB8AC3E}">
-        <p14:creationId xmlns:p14="http://schemas.microsoft.com/office/powerpoint/2010/main" val="877819356"/>
+        <p14:creationId xmlns:p14="http://schemas.microsoft.com/office/powerpoint/2010/main" val="3201979120"/>
       </p:ext>
     </p:extLst>
   </p:cSld>

--- a/Project 2 Presentation.pptx
+++ b/Project 2 Presentation.pptx
@@ -267,7 +267,7 @@
           <a:p>
             <a:fld id="{9EB8C2C4-EEAA-4A00-B3D8-CE398ED8840D}" type="datetimeFigureOut">
               <a:rPr lang="en-US" smtClean="0"/>
-              <a:t>2/12/2024</a:t>
+              <a:t>2/15/2024</a:t>
             </a:fld>
             <a:endParaRPr lang="en-US"/>
           </a:p>
@@ -465,7 +465,7 @@
           <a:p>
             <a:fld id="{9EB8C2C4-EEAA-4A00-B3D8-CE398ED8840D}" type="datetimeFigureOut">
               <a:rPr lang="en-US" smtClean="0"/>
-              <a:t>2/12/2024</a:t>
+              <a:t>2/15/2024</a:t>
             </a:fld>
             <a:endParaRPr lang="en-US"/>
           </a:p>
@@ -673,7 +673,7 @@
           <a:p>
             <a:fld id="{9EB8C2C4-EEAA-4A00-B3D8-CE398ED8840D}" type="datetimeFigureOut">
               <a:rPr lang="en-US" smtClean="0"/>
-              <a:t>2/12/2024</a:t>
+              <a:t>2/15/2024</a:t>
             </a:fld>
             <a:endParaRPr lang="en-US"/>
           </a:p>
@@ -871,7 +871,7 @@
           <a:p>
             <a:fld id="{9EB8C2C4-EEAA-4A00-B3D8-CE398ED8840D}" type="datetimeFigureOut">
               <a:rPr lang="en-US" smtClean="0"/>
-              <a:t>2/12/2024</a:t>
+              <a:t>2/15/2024</a:t>
             </a:fld>
             <a:endParaRPr lang="en-US"/>
           </a:p>
@@ -1146,7 +1146,7 @@
           <a:p>
             <a:fld id="{9EB8C2C4-EEAA-4A00-B3D8-CE398ED8840D}" type="datetimeFigureOut">
               <a:rPr lang="en-US" smtClean="0"/>
-              <a:t>2/12/2024</a:t>
+              <a:t>2/15/2024</a:t>
             </a:fld>
             <a:endParaRPr lang="en-US"/>
           </a:p>
@@ -1411,7 +1411,7 @@
           <a:p>
             <a:fld id="{9EB8C2C4-EEAA-4A00-B3D8-CE398ED8840D}" type="datetimeFigureOut">
               <a:rPr lang="en-US" smtClean="0"/>
-              <a:t>2/12/2024</a:t>
+              <a:t>2/15/2024</a:t>
             </a:fld>
             <a:endParaRPr lang="en-US"/>
           </a:p>
@@ -1823,7 +1823,7 @@
           <a:p>
             <a:fld id="{9EB8C2C4-EEAA-4A00-B3D8-CE398ED8840D}" type="datetimeFigureOut">
               <a:rPr lang="en-US" smtClean="0"/>
-              <a:t>2/12/2024</a:t>
+              <a:t>2/15/2024</a:t>
             </a:fld>
             <a:endParaRPr lang="en-US"/>
           </a:p>
@@ -1964,7 +1964,7 @@
           <a:p>
             <a:fld id="{9EB8C2C4-EEAA-4A00-B3D8-CE398ED8840D}" type="datetimeFigureOut">
               <a:rPr lang="en-US" smtClean="0"/>
-              <a:t>2/12/2024</a:t>
+              <a:t>2/15/2024</a:t>
             </a:fld>
             <a:endParaRPr lang="en-US"/>
           </a:p>
@@ -2077,7 +2077,7 @@
           <a:p>
             <a:fld id="{9EB8C2C4-EEAA-4A00-B3D8-CE398ED8840D}" type="datetimeFigureOut">
               <a:rPr lang="en-US" smtClean="0"/>
-              <a:t>2/12/2024</a:t>
+              <a:t>2/15/2024</a:t>
             </a:fld>
             <a:endParaRPr lang="en-US"/>
           </a:p>
@@ -2388,7 +2388,7 @@
           <a:p>
             <a:fld id="{9EB8C2C4-EEAA-4A00-B3D8-CE398ED8840D}" type="datetimeFigureOut">
               <a:rPr lang="en-US" smtClean="0"/>
-              <a:t>2/12/2024</a:t>
+              <a:t>2/15/2024</a:t>
             </a:fld>
             <a:endParaRPr lang="en-US"/>
           </a:p>
@@ -2676,7 +2676,7 @@
           <a:p>
             <a:fld id="{9EB8C2C4-EEAA-4A00-B3D8-CE398ED8840D}" type="datetimeFigureOut">
               <a:rPr lang="en-US" smtClean="0"/>
-              <a:t>2/12/2024</a:t>
+              <a:t>2/15/2024</a:t>
             </a:fld>
             <a:endParaRPr lang="en-US"/>
           </a:p>
@@ -2917,7 +2917,7 @@
           <a:p>
             <a:fld id="{9EB8C2C4-EEAA-4A00-B3D8-CE398ED8840D}" type="datetimeFigureOut">
               <a:rPr lang="en-US" smtClean="0"/>
-              <a:t>2/12/2024</a:t>
+              <a:t>2/15/2024</a:t>
             </a:fld>
             <a:endParaRPr lang="en-US"/>
           </a:p>
@@ -3787,6 +3787,20 @@
             </a:r>
           </a:p>
           <a:p>
+            <a:pPr lvl="2"/>
+            <a:r>
+              <a:rPr lang="en-US" dirty="0"/>
+              <a:t>Accuracy – 97.20%</a:t>
+            </a:r>
+          </a:p>
+          <a:p>
+            <a:pPr lvl="2"/>
+            <a:r>
+              <a:rPr lang="en-US" dirty="0"/>
+              <a:t>Loss - .1230</a:t>
+            </a:r>
+          </a:p>
+          <a:p>
             <a:pPr marL="914400" lvl="1" indent="-457200">
               <a:buFont typeface="+mj-lt"/>
               <a:buAutoNum type="arabicPeriod"/>
@@ -3915,6 +3929,40 @@
             </a:r>
           </a:p>
           <a:p>
+            <a:pPr lvl="2"/>
+            <a:r>
+              <a:rPr lang="en-US" dirty="0"/>
+              <a:t>Accuracy – 64.29%</a:t>
+            </a:r>
+          </a:p>
+          <a:p>
+            <a:pPr lvl="2"/>
+            <a:r>
+              <a:rPr lang="en-US" dirty="0"/>
+              <a:t>Loss – (</a:t>
+            </a:r>
+            <a:r>
+              <a:rPr lang="en-US" dirty="0" err="1"/>
+              <a:t>NaN</a:t>
+            </a:r>
+            <a:r>
+              <a:rPr lang="en-US" dirty="0"/>
+              <a:t>)</a:t>
+            </a:r>
+          </a:p>
+          <a:p>
+            <a:pPr lvl="2"/>
+            <a:r>
+              <a:rPr lang="en-US" dirty="0"/>
+              <a:t>6 / 84 test results returned </a:t>
+            </a:r>
+            <a:r>
+              <a:rPr lang="en-US" dirty="0" err="1"/>
+              <a:t>NaN</a:t>
+            </a:r>
+            <a:endParaRPr lang="en-US" dirty="0"/>
+          </a:p>
+          <a:p>
             <a:pPr marL="914400" lvl="1" indent="-457200">
               <a:buFont typeface="+mj-lt"/>
               <a:buAutoNum type="arabicPeriod"/>
@@ -4082,7 +4130,28 @@
             </a:r>
           </a:p>
           <a:p>
-            <a:endParaRPr lang="en-US" dirty="0"/>
+            <a:r>
+              <a:rPr lang="en-US" dirty="0"/>
+              <a:t>strs to </a:t>
+            </a:r>
+            <a:r>
+              <a:rPr lang="en-US" dirty="0" err="1"/>
+              <a:t>ints</a:t>
+            </a:r>
+            <a:r>
+              <a:rPr lang="en-US" dirty="0"/>
+              <a:t> - Neural Network</a:t>
+            </a:r>
+          </a:p>
+          <a:p>
+            <a:r>
+              <a:rPr lang="en-US" dirty="0" err="1"/>
+              <a:t>OneHotEncoder</a:t>
+            </a:r>
+            <a:r>
+              <a:rPr lang="en-US" dirty="0"/>
+              <a:t> - categorical to numerical</a:t>
+            </a:r>
           </a:p>
         </p:txBody>
       </p:sp>
@@ -4165,7 +4234,20 @@
           <a:bodyPr/>
           <a:lstStyle/>
           <a:p>
-            <a:endParaRPr lang="en-US"/>
+            <a:r>
+              <a:rPr lang="en-US" dirty="0" err="1"/>
+              <a:t>StandardScaler</a:t>
+            </a:r>
+            <a:endParaRPr lang="en-US" dirty="0"/>
+          </a:p>
+          <a:p>
+            <a:r>
+              <a:rPr lang="en-US" dirty="0"/>
+              <a:t>Adding layers</a:t>
+            </a:r>
+          </a:p>
+          <a:p>
+            <a:endParaRPr lang="en-US" dirty="0"/>
           </a:p>
         </p:txBody>
       </p:sp>
@@ -4276,8 +4358,25 @@
                 <a:effectLst/>
                 <a:latin typeface="Roboto" panose="02000000000000000000" pitchFamily="2" charset="0"/>
               </a:rPr>
-              <a:t>Include any relevant code or demonstrations of the machine learning model.</a:t>
-            </a:r>
+              <a:t>Include any relevant code or demonstrations of the machine learning </a:t>
+            </a:r>
+            <a:r>
+              <a:rPr lang="en-US" b="0" i="0">
+                <a:solidFill>
+                  <a:srgbClr val="2B2B2B"/>
+                </a:solidFill>
+                <a:effectLst/>
+                <a:latin typeface="Roboto" panose="02000000000000000000" pitchFamily="2" charset="0"/>
+              </a:rPr>
+              <a:t>model.</a:t>
+            </a:r>
+            <a:endParaRPr lang="en-US" b="0" i="0" dirty="0">
+              <a:solidFill>
+                <a:srgbClr val="2B2B2B"/>
+              </a:solidFill>
+              <a:effectLst/>
+              <a:latin typeface="Roboto" panose="02000000000000000000" pitchFamily="2" charset="0"/>
+            </a:endParaRPr>
           </a:p>
           <a:p>
             <a:pPr marL="742950" lvl="1" indent="-285750" algn="l">
@@ -4443,6 +4542,74 @@
             </a:r>
           </a:p>
           <a:p>
+            <a:pPr marL="742950" lvl="1" indent="-285750" algn="l">
+              <a:buFont typeface="Arial" panose="020B0604020202020204" pitchFamily="34" charset="0"/>
+              <a:buChar char="•"/>
+            </a:pPr>
+            <a:endParaRPr lang="en-US" b="0" i="0" dirty="0">
+              <a:solidFill>
+                <a:srgbClr val="2B2B2B"/>
+              </a:solidFill>
+              <a:effectLst/>
+              <a:latin typeface="Roboto" panose="02000000000000000000" pitchFamily="2" charset="0"/>
+            </a:endParaRPr>
+          </a:p>
+          <a:p>
+            <a:pPr marL="742950" lvl="1" indent="-285750" algn="l">
+              <a:buFont typeface="Arial" panose="020B0604020202020204" pitchFamily="34" charset="0"/>
+              <a:buChar char="•"/>
+            </a:pPr>
+            <a:r>
+              <a:rPr lang="en-US" dirty="0">
+                <a:solidFill>
+                  <a:srgbClr val="2B2B2B"/>
+                </a:solidFill>
+                <a:latin typeface="Roboto" panose="02000000000000000000" pitchFamily="2" charset="0"/>
+              </a:rPr>
+              <a:t>Almost perfectly predict if somebody had cancer.</a:t>
+            </a:r>
+          </a:p>
+          <a:p>
+            <a:pPr marL="1200150" lvl="2" indent="-285750"/>
+            <a:r>
+              <a:rPr lang="en-US" dirty="0">
+                <a:solidFill>
+                  <a:srgbClr val="2B2B2B"/>
+                </a:solidFill>
+                <a:latin typeface="Roboto" panose="02000000000000000000" pitchFamily="2" charset="0"/>
+              </a:rPr>
+              <a:t>Data - </a:t>
+            </a:r>
+          </a:p>
+          <a:p>
+            <a:pPr marL="742950" lvl="1" indent="-285750" algn="l">
+              <a:buFont typeface="Arial" panose="020B0604020202020204" pitchFamily="34" charset="0"/>
+              <a:buChar char="•"/>
+            </a:pPr>
+            <a:r>
+              <a:rPr lang="en-US" dirty="0">
+                <a:solidFill>
+                  <a:srgbClr val="2B2B2B"/>
+                </a:solidFill>
+                <a:latin typeface="Roboto" panose="02000000000000000000" pitchFamily="2" charset="0"/>
+              </a:rPr>
+              <a:t>Not able to predict the type of cancer based on the provided data with enough accuracy.</a:t>
+            </a:r>
+          </a:p>
+          <a:p>
+            <a:pPr marL="1200150" lvl="2" indent="-285750"/>
+            <a:r>
+              <a:rPr lang="en-US" b="0" i="0" dirty="0">
+                <a:solidFill>
+                  <a:srgbClr val="2B2B2B"/>
+                </a:solidFill>
+                <a:effectLst/>
+                <a:latin typeface="Roboto" panose="02000000000000000000" pitchFamily="2" charset="0"/>
+              </a:rPr>
+              <a:t>Data - </a:t>
+            </a:r>
+          </a:p>
+          <a:p>
             <a:endParaRPr lang="en-US" dirty="0"/>
           </a:p>
         </p:txBody>
@@ -4571,6 +4738,50 @@
                 <a:latin typeface="Roboto" panose="02000000000000000000" pitchFamily="2" charset="0"/>
               </a:rPr>
               <a:t>Discuss any additional questions that you’d explore if you had more time. Specifically, if you had additional weeks to work on your project, what would you research next?</a:t>
+            </a:r>
+          </a:p>
+          <a:p>
+            <a:pPr marL="742950" lvl="1" indent="-285750" algn="l">
+              <a:buFont typeface="Arial" panose="020B0604020202020204" pitchFamily="34" charset="0"/>
+              <a:buChar char="•"/>
+            </a:pPr>
+            <a:endParaRPr lang="en-US" dirty="0">
+              <a:solidFill>
+                <a:srgbClr val="2B2B2B"/>
+              </a:solidFill>
+              <a:latin typeface="Roboto" panose="02000000000000000000" pitchFamily="2" charset="0"/>
+            </a:endParaRPr>
+          </a:p>
+          <a:p>
+            <a:pPr marL="742950" lvl="1" indent="-285750" algn="l">
+              <a:buFont typeface="Arial" panose="020B0604020202020204" pitchFamily="34" charset="0"/>
+              <a:buChar char="•"/>
+            </a:pPr>
+            <a:r>
+              <a:rPr lang="en-US" b="0" i="0" dirty="0">
+                <a:solidFill>
+                  <a:srgbClr val="2B2B2B"/>
+                </a:solidFill>
+                <a:effectLst/>
+                <a:latin typeface="Roboto" panose="02000000000000000000" pitchFamily="2" charset="0"/>
+              </a:rPr>
+              <a:t>Deeper analysis of BRCA model, where it fails.</a:t>
+            </a:r>
+          </a:p>
+          <a:p>
+            <a:pPr marL="742950" lvl="1" indent="-285750" algn="l">
+              <a:buFont typeface="Arial" panose="020B0604020202020204" pitchFamily="34" charset="0"/>
+              <a:buChar char="•"/>
+            </a:pPr>
+            <a:r>
+              <a:rPr lang="en-US" b="0" i="0" dirty="0">
+                <a:solidFill>
+                  <a:srgbClr val="2B2B2B"/>
+                </a:solidFill>
+                <a:effectLst/>
+                <a:latin typeface="Roboto" panose="02000000000000000000" pitchFamily="2" charset="0"/>
+              </a:rPr>
+              <a:t>Find more testing data for BC models. </a:t>
             </a:r>
           </a:p>
           <a:p>

--- a/Project 2 Presentation.pptx
+++ b/Project 2 Presentation.pptx
@@ -3807,7 +3807,7 @@
             </a:pPr>
             <a:r>
               <a:rPr lang="en-US" dirty="0"/>
-              <a:t>(model 2)</a:t>
+              <a:t>(Model 2)</a:t>
             </a:r>
           </a:p>
           <a:p>
@@ -3969,7 +3969,7 @@
             </a:pPr>
             <a:r>
               <a:rPr lang="en-US" dirty="0"/>
-              <a:t>(model 2)</a:t>
+              <a:t>(Model 2)</a:t>
             </a:r>
           </a:p>
           <a:p>
